--- a/Docker/Docker.pptx
+++ b/Docker/Docker.pptx
@@ -6,10 +6,10 @@
     <p:sldMasterId id="2147484350" r:id="rId6"/>
   </p:sldMasterIdLst>
   <p:notesMasterIdLst>
-    <p:notesMasterId r:id="rId20"/>
+    <p:notesMasterId r:id="rId21"/>
   </p:notesMasterIdLst>
   <p:handoutMasterIdLst>
-    <p:handoutMasterId r:id="rId21"/>
+    <p:handoutMasterId r:id="rId22"/>
   </p:handoutMasterIdLst>
   <p:sldIdLst>
     <p:sldId id="498" r:id="rId7"/>
@@ -17,14 +17,15 @@
     <p:sldId id="509" r:id="rId9"/>
     <p:sldId id="510" r:id="rId10"/>
     <p:sldId id="475" r:id="rId11"/>
-    <p:sldId id="505" r:id="rId12"/>
-    <p:sldId id="534" r:id="rId13"/>
-    <p:sldId id="533" r:id="rId14"/>
-    <p:sldId id="536" r:id="rId15"/>
-    <p:sldId id="535" r:id="rId16"/>
-    <p:sldId id="537" r:id="rId17"/>
-    <p:sldId id="506" r:id="rId18"/>
-    <p:sldId id="538" r:id="rId19"/>
+    <p:sldId id="540" r:id="rId12"/>
+    <p:sldId id="505" r:id="rId13"/>
+    <p:sldId id="534" r:id="rId14"/>
+    <p:sldId id="533" r:id="rId15"/>
+    <p:sldId id="536" r:id="rId16"/>
+    <p:sldId id="535" r:id="rId17"/>
+    <p:sldId id="537" r:id="rId18"/>
+    <p:sldId id="506" r:id="rId19"/>
+    <p:sldId id="538" r:id="rId20"/>
   </p:sldIdLst>
   <p:sldSz cx="9144000" cy="6858000" type="screen4x3"/>
   <p:notesSz cx="7010400" cy="9296400"/>
@@ -324,7 +325,7 @@
               <a:pPr>
                 <a:defRPr/>
               </a:pPr>
-              <a:t>7/19/17</a:t>
+              <a:t>7/21/17</a:t>
             </a:fld>
             <a:endParaRPr lang="en-US" dirty="0"/>
           </a:p>
@@ -539,7 +540,7 @@
               <a:pPr>
                 <a:defRPr/>
               </a:pPr>
-              <a:t>7/19/17</a:t>
+              <a:t>7/21/17</a:t>
             </a:fld>
             <a:endParaRPr lang="en-US" dirty="0"/>
           </a:p>
@@ -22928,6 +22929,137 @@
           <a:p>
             <a:pPr lvl="1"/>
             <a:r>
+              <a:rPr lang="en-US" sz="1600" b="1" i="1" dirty="0"/>
+              <a:t>&lt;</a:t>
+            </a:r>
+            <a:r>
+              <a:rPr lang="en-US" sz="1600" b="1" i="1" dirty="0" err="1"/>
+              <a:t>docker</a:t>
+            </a:r>
+            <a:r>
+              <a:rPr lang="en-US" sz="1600" b="1" i="1" dirty="0"/>
+              <a:t> run hello-world&gt;</a:t>
+            </a:r>
+            <a:endParaRPr lang="en-US" sz="1600" dirty="0"/>
+          </a:p>
+          <a:p>
+            <a:pPr lvl="2"/>
+            <a:endParaRPr lang="en-US" sz="1400" dirty="0"/>
+          </a:p>
+        </p:txBody>
+      </p:sp>
+      <p:sp>
+        <p:nvSpPr>
+          <p:cNvPr id="5" name="Title 4"/>
+          <p:cNvSpPr>
+            <a:spLocks noGrp="1"/>
+          </p:cNvSpPr>
+          <p:nvPr>
+            <p:ph type="title"/>
+          </p:nvPr>
+        </p:nvSpPr>
+        <p:spPr/>
+        <p:txBody>
+          <a:bodyPr/>
+          <a:lstStyle/>
+          <a:p>
+            <a:r>
+              <a:rPr lang="en-US" dirty="0" smtClean="0"/>
+              <a:t>Exercise2: Run hello world!! (Existing image)</a:t>
+            </a:r>
+            <a:endParaRPr lang="en-US" dirty="0"/>
+          </a:p>
+        </p:txBody>
+      </p:sp>
+      <p:pic>
+        <p:nvPicPr>
+          <p:cNvPr id="6" name="Picture 5"/>
+          <p:cNvPicPr/>
+          <p:nvPr/>
+        </p:nvPicPr>
+        <p:blipFill>
+          <a:blip r:embed="rId2"/>
+          <a:stretch>
+            <a:fillRect/>
+          </a:stretch>
+        </p:blipFill>
+        <p:spPr>
+          <a:xfrm>
+            <a:off x="595745" y="1387682"/>
+            <a:ext cx="7204710" cy="4738485"/>
+          </a:xfrm>
+          <a:prstGeom prst="rect">
+            <a:avLst/>
+          </a:prstGeom>
+        </p:spPr>
+      </p:pic>
+    </p:spTree>
+    <p:extLst>
+      <p:ext uri="{BB962C8B-B14F-4D97-AF65-F5344CB8AC3E}">
+        <p14:creationId xmlns:p14="http://schemas.microsoft.com/office/powerpoint/2010/main" val="657809761"/>
+      </p:ext>
+    </p:extLst>
+  </p:cSld>
+  <p:clrMapOvr>
+    <a:masterClrMapping/>
+  </p:clrMapOvr>
+  <mc:AlternateContent xmlns:mc="http://schemas.openxmlformats.org/markup-compatibility/2006" xmlns:p14="http://schemas.microsoft.com/office/powerpoint/2010/main">
+    <mc:Choice Requires="p14">
+      <p:transition p14:dur="0"/>
+    </mc:Choice>
+    <mc:Fallback xmlns="">
+      <p:transition/>
+    </mc:Fallback>
+  </mc:AlternateContent>
+  <p:timing>
+    <p:tnLst>
+      <p:par>
+        <p:cTn id="1" dur="indefinite" restart="never" nodeType="tmRoot"/>
+      </p:par>
+    </p:tnLst>
+  </p:timing>
+</p:sld>
+</file>
+
+<file path=ppt/slides/slide11.xml><?xml version="1.0" encoding="utf-8"?>
+<p:sld xmlns:a="http://schemas.openxmlformats.org/drawingml/2006/main" xmlns:r="http://schemas.openxmlformats.org/officeDocument/2006/relationships" xmlns:p="http://schemas.openxmlformats.org/presentationml/2006/main">
+  <p:cSld>
+    <p:spTree>
+      <p:nvGrpSpPr>
+        <p:cNvPr id="1" name=""/>
+        <p:cNvGrpSpPr/>
+        <p:nvPr/>
+      </p:nvGrpSpPr>
+      <p:grpSpPr>
+        <a:xfrm>
+          <a:off x="0" y="0"/>
+          <a:ext cx="0" cy="0"/>
+          <a:chOff x="0" y="0"/>
+          <a:chExt cx="0" cy="0"/>
+        </a:xfrm>
+      </p:grpSpPr>
+      <p:sp>
+        <p:nvSpPr>
+          <p:cNvPr id="2" name="Content Placeholder 1"/>
+          <p:cNvSpPr>
+            <a:spLocks noGrp="1"/>
+          </p:cNvSpPr>
+          <p:nvPr>
+            <p:ph sz="half" idx="1"/>
+          </p:nvPr>
+        </p:nvSpPr>
+        <p:spPr>
+          <a:xfrm>
+            <a:off x="382773" y="721361"/>
+            <a:ext cx="8304030" cy="5404806"/>
+          </a:xfrm>
+        </p:spPr>
+        <p:txBody>
+          <a:bodyPr/>
+          <a:lstStyle/>
+          <a:p>
+            <a:pPr lvl="1"/>
+            <a:r>
               <a:rPr lang="en-US" sz="1600" dirty="0" err="1" smtClean="0"/>
               <a:t>git</a:t>
             </a:r>
@@ -23156,7 +23288,7 @@
 </p:sld>
 </file>
 
-<file path=ppt/slides/slide11.xml><?xml version="1.0" encoding="utf-8"?>
+<file path=ppt/slides/slide12.xml><?xml version="1.0" encoding="utf-8"?>
 <p:sld xmlns:a="http://schemas.openxmlformats.org/drawingml/2006/main" xmlns:r="http://schemas.openxmlformats.org/officeDocument/2006/relationships" xmlns:p="http://schemas.openxmlformats.org/presentationml/2006/main">
   <p:cSld>
     <p:spTree>
@@ -23250,7 +23382,7 @@
 </p:sld>
 </file>
 
-<file path=ppt/slides/slide12.xml><?xml version="1.0" encoding="utf-8"?>
+<file path=ppt/slides/slide13.xml><?xml version="1.0" encoding="utf-8"?>
 <p:sld xmlns:a="http://schemas.openxmlformats.org/drawingml/2006/main" xmlns:r="http://schemas.openxmlformats.org/officeDocument/2006/relationships" xmlns:p="http://schemas.openxmlformats.org/presentationml/2006/main">
   <p:cSld>
     <p:spTree>
@@ -23488,16 +23620,8 @@
               <a:t> </a:t>
             </a:r>
             <a:r>
-              <a:rPr lang="en-US" sz="1400" dirty="0" err="1"/>
-              <a:t>r</a:t>
-            </a:r>
-            <a:r>
-              <a:rPr lang="en-US" sz="1400" dirty="0" err="1" smtClean="0"/>
-              <a:t>m</a:t>
-            </a:r>
-            <a:r>
-              <a:rPr lang="en-US" sz="1400" dirty="0" smtClean="0"/>
-              <a:t> </a:t>
+              <a:rPr lang="en-US" sz="1400" smtClean="0"/>
+              <a:t>rmi </a:t>
             </a:r>
             <a:r>
               <a:rPr lang="en-US" sz="1400" dirty="0"/>
@@ -23853,7 +23977,7 @@
 </p:sld>
 </file>
 
-<file path=ppt/slides/slide13.xml><?xml version="1.0" encoding="utf-8"?>
+<file path=ppt/slides/slide14.xml><?xml version="1.0" encoding="utf-8"?>
 <p:sld xmlns:a="http://schemas.openxmlformats.org/drawingml/2006/main" xmlns:r="http://schemas.openxmlformats.org/officeDocument/2006/relationships" xmlns:p="http://schemas.openxmlformats.org/presentationml/2006/main">
   <p:cSld>
     <p:spTree>
@@ -24267,7 +24391,7 @@
           <a:lstStyle/>
           <a:p>
             <a:r>
-              <a:rPr lang="en-US" sz="1800" smtClean="0"/>
+              <a:rPr lang="en-US" sz="1800" dirty="0" smtClean="0"/>
               <a:t>In 1990s</a:t>
             </a:r>
             <a:r>
@@ -25033,15 +25157,15 @@
             </a:pPr>
             <a:r>
               <a:rPr lang="en-US" sz="2000" dirty="0"/>
-              <a:t>A standard </a:t>
-            </a:r>
-            <a:r>
-              <a:rPr lang="en-US" sz="2000" dirty="0" err="1"/>
-              <a:t>docker</a:t>
+              <a:t>A standard D</a:t>
+            </a:r>
+            <a:r>
+              <a:rPr lang="en-US" sz="2000" dirty="0" smtClean="0"/>
+              <a:t>ocker </a:t>
             </a:r>
             <a:r>
               <a:rPr lang="en-US" sz="2000" dirty="0"/>
-              <a:t> install gives you the client and the daemon on the same </a:t>
+              <a:t>install gives you the client and the daemon on the same </a:t>
             </a:r>
             <a:r>
               <a:rPr lang="en-US" sz="2000" dirty="0" smtClean="0"/>
@@ -25171,207 +25295,7 @@
       </p:grpSpPr>
       <p:sp>
         <p:nvSpPr>
-          <p:cNvPr id="2" name="Content Placeholder 1"/>
-          <p:cNvSpPr>
-            <a:spLocks noGrp="1"/>
-          </p:cNvSpPr>
-          <p:nvPr>
-            <p:ph sz="half" idx="1"/>
-          </p:nvPr>
-        </p:nvSpPr>
-        <p:spPr>
-          <a:xfrm>
-            <a:off x="382773" y="1116419"/>
-            <a:ext cx="8304030" cy="5009747"/>
-          </a:xfrm>
-        </p:spPr>
-        <p:txBody>
-          <a:bodyPr/>
-          <a:lstStyle/>
-          <a:p>
-            <a:pPr lvl="1"/>
-            <a:r>
-              <a:rPr lang="en-US" sz="1600" b="1" dirty="0" smtClean="0"/>
-              <a:t>Requirements</a:t>
-            </a:r>
-            <a:endParaRPr lang="en-US" sz="1600" b="1" dirty="0"/>
-          </a:p>
-          <a:p>
-            <a:pPr lvl="2"/>
-            <a:r>
-              <a:rPr lang="en-US" sz="1400" dirty="0"/>
-              <a:t>Windows 10 </a:t>
-            </a:r>
-          </a:p>
-          <a:p>
-            <a:pPr lvl="2"/>
-            <a:r>
-              <a:rPr lang="en-US" sz="1400" dirty="0"/>
-              <a:t>64 bit </a:t>
-            </a:r>
-            <a:r>
-              <a:rPr lang="en-US" sz="1400" dirty="0" smtClean="0"/>
-              <a:t>only</a:t>
-            </a:r>
-          </a:p>
-          <a:p>
-            <a:pPr lvl="2"/>
-            <a:endParaRPr lang="en-US" sz="1400" dirty="0" smtClean="0"/>
-          </a:p>
-          <a:p>
-            <a:pPr lvl="1"/>
-            <a:r>
-              <a:rPr lang="en-US" sz="1600" b="1" dirty="0" smtClean="0"/>
-              <a:t>Installation</a:t>
-            </a:r>
-          </a:p>
-          <a:p>
-            <a:pPr lvl="2"/>
-            <a:r>
-              <a:rPr lang="en-US" sz="1400" dirty="0"/>
-              <a:t>Turn on the windows feature Hyper-V </a:t>
-            </a:r>
-            <a:r>
-              <a:rPr lang="en-US" sz="1400" b="1" dirty="0"/>
-              <a:t>ON </a:t>
-            </a:r>
-            <a:endParaRPr lang="en-US" sz="1400" dirty="0"/>
-          </a:p>
-          <a:p>
-            <a:pPr lvl="2"/>
-            <a:r>
-              <a:rPr lang="en-US" sz="1400" dirty="0"/>
-              <a:t>Restart Windows</a:t>
-            </a:r>
-          </a:p>
-          <a:p>
-            <a:pPr lvl="2"/>
-            <a:r>
-              <a:rPr lang="en-US" sz="1400" dirty="0"/>
-              <a:t>Hyper-V not running – Restart and enter the BIOS mode on your machine and turn on the Hardware-assisted virtualization and data execution </a:t>
-            </a:r>
-            <a:r>
-              <a:rPr lang="en-US" sz="1400" dirty="0" smtClean="0"/>
-              <a:t>protection</a:t>
-            </a:r>
-          </a:p>
-          <a:p>
-            <a:pPr lvl="2"/>
-            <a:r>
-              <a:rPr lang="en-US" sz="1400" dirty="0"/>
-              <a:t>For Windows 10 click on the link below to download the installer</a:t>
-            </a:r>
-          </a:p>
-          <a:p>
-            <a:pPr lvl="2"/>
-            <a:r>
-              <a:rPr lang="en-US" sz="1400" dirty="0">
-                <a:hlinkClick r:id="rId2"/>
-              </a:rPr>
-              <a:t>https://</a:t>
-            </a:r>
-            <a:r>
-              <a:rPr lang="en-US" sz="1400" dirty="0" smtClean="0">
-                <a:hlinkClick r:id="rId2"/>
-              </a:rPr>
-              <a:t>download.docker.com/win/stable/InstallDocker.msi</a:t>
-            </a:r>
-            <a:endParaRPr lang="en-US" sz="1400" dirty="0">
-              <a:solidFill>
-                <a:srgbClr val="FF0000"/>
-              </a:solidFill>
-            </a:endParaRPr>
-          </a:p>
-          <a:p>
-            <a:pPr lvl="2"/>
-            <a:r>
-              <a:rPr lang="en-US" sz="1400" dirty="0" smtClean="0"/>
-              <a:t>Download </a:t>
-            </a:r>
-            <a:r>
-              <a:rPr lang="en-US" sz="1400" dirty="0"/>
-              <a:t>the Docker installation file</a:t>
-            </a:r>
-          </a:p>
-          <a:p>
-            <a:pPr lvl="2"/>
-            <a:r>
-              <a:rPr lang="en-US" sz="1400" dirty="0"/>
-              <a:t>Double click on </a:t>
-            </a:r>
-            <a:r>
-              <a:rPr lang="en-US" sz="1400" dirty="0" err="1" smtClean="0"/>
-              <a:t>InstallDocker.msi</a:t>
-            </a:r>
-            <a:endParaRPr lang="en-US" sz="1400" dirty="0" smtClean="0"/>
-          </a:p>
-          <a:p>
-            <a:pPr lvl="2"/>
-            <a:r>
-              <a:rPr lang="en-US" sz="1400" dirty="0"/>
-              <a:t>Accept the term and Conditions and continue with </a:t>
-            </a:r>
-            <a:r>
-              <a:rPr lang="en-US" sz="1400" dirty="0" smtClean="0"/>
-              <a:t>installation</a:t>
-            </a:r>
-          </a:p>
-          <a:p>
-            <a:pPr lvl="2"/>
-            <a:r>
-              <a:rPr lang="en-US" sz="1400" dirty="0"/>
-              <a:t>Once the installation is complete, Docker starts automatically , the whale </a:t>
-            </a:r>
-            <a:r>
-              <a:rPr lang="en-US" sz="1400" dirty="0" smtClean="0"/>
-              <a:t>                 in the notification area indicates a successful install and that </a:t>
-            </a:r>
-            <a:r>
-              <a:rPr lang="en-US" sz="1400" dirty="0" err="1" smtClean="0"/>
-              <a:t>docker</a:t>
-            </a:r>
-            <a:r>
-              <a:rPr lang="en-US" sz="1400" dirty="0" smtClean="0"/>
-              <a:t> is running</a:t>
-            </a:r>
-          </a:p>
-          <a:p>
-            <a:pPr lvl="2"/>
-            <a:r>
-              <a:rPr lang="en-US" sz="1400" dirty="0"/>
-              <a:t>Open a Command prompt and type </a:t>
-            </a:r>
-            <a:r>
-              <a:rPr lang="en-US" sz="1400" i="1" dirty="0"/>
-              <a:t>&lt;</a:t>
-            </a:r>
-            <a:r>
-              <a:rPr lang="en-US" sz="1400" i="1" dirty="0" err="1"/>
-              <a:t>docker</a:t>
-            </a:r>
-            <a:r>
-              <a:rPr lang="en-US" sz="1400" i="1" dirty="0"/>
-              <a:t> version&gt; </a:t>
-            </a:r>
-            <a:endParaRPr lang="en-US" sz="1400" dirty="0"/>
-          </a:p>
-          <a:p>
-            <a:pPr lvl="2"/>
-            <a:endParaRPr lang="en-US" sz="1900" dirty="0"/>
-          </a:p>
-          <a:p>
-            <a:pPr lvl="2"/>
-            <a:endParaRPr lang="en-US" sz="1900" dirty="0"/>
-          </a:p>
-          <a:p>
-            <a:pPr lvl="2"/>
-            <a:endParaRPr lang="en-US" sz="1900" dirty="0"/>
-          </a:p>
-        </p:txBody>
-      </p:sp>
-      <p:sp>
-        <p:nvSpPr>
-          <p:cNvPr id="5" name="Title 4"/>
+          <p:cNvPr id="2" name="Title 1"/>
           <p:cNvSpPr>
             <a:spLocks noGrp="1"/>
           </p:cNvSpPr>
@@ -25386,46 +25310,193 @@
           <a:p>
             <a:r>
               <a:rPr lang="en-US" dirty="0" smtClean="0"/>
-              <a:t>Installing </a:t>
-            </a:r>
-            <a:r>
-              <a:rPr lang="en-US" dirty="0" err="1" smtClean="0"/>
-              <a:t>docker</a:t>
-            </a:r>
-            <a:r>
-              <a:rPr lang="en-US" dirty="0" smtClean="0"/>
-              <a:t> on windows</a:t>
+              <a:t>Docker containers</a:t>
             </a:r>
             <a:endParaRPr lang="en-US" dirty="0"/>
+          </a:p>
+        </p:txBody>
+      </p:sp>
+      <p:sp>
+        <p:nvSpPr>
+          <p:cNvPr id="4" name="Content Placeholder 3"/>
+          <p:cNvSpPr>
+            <a:spLocks noGrp="1"/>
+          </p:cNvSpPr>
+          <p:nvPr>
+            <p:ph sz="half" idx="1"/>
+          </p:nvPr>
+        </p:nvSpPr>
+        <p:spPr>
+          <a:xfrm>
+            <a:off x="457199" y="721360"/>
+            <a:ext cx="8366761" cy="5404807"/>
+          </a:xfrm>
+        </p:spPr>
+        <p:txBody>
+          <a:bodyPr/>
+          <a:lstStyle/>
+          <a:p>
+            <a:pPr marL="342900" lvl="1" indent="-342900">
+              <a:buFont typeface="Arial" charset="0"/>
+              <a:buChar char="•"/>
+            </a:pPr>
+            <a:endParaRPr lang="en-US" sz="2000" dirty="0"/>
+          </a:p>
+          <a:p>
+            <a:pPr marL="342900" lvl="1" indent="-342900">
+              <a:buFont typeface="Arial" charset="0"/>
+              <a:buChar char="•"/>
+            </a:pPr>
+            <a:endParaRPr lang="en-US" sz="2000" dirty="0" smtClean="0"/>
+          </a:p>
+          <a:p>
+            <a:pPr marL="342900" lvl="1" indent="-342900">
+              <a:buFont typeface="Arial" charset="0"/>
+              <a:buChar char="•"/>
+            </a:pPr>
+            <a:endParaRPr lang="en-US" sz="2000" dirty="0"/>
+          </a:p>
+          <a:p>
+            <a:endParaRPr lang="en-US" sz="2000" dirty="0" smtClean="0"/>
+          </a:p>
+          <a:p>
+            <a:endParaRPr lang="en-US" sz="2000" dirty="0"/>
           </a:p>
         </p:txBody>
       </p:sp>
       <p:pic>
         <p:nvPicPr>
-          <p:cNvPr id="33" name="Picture 32"/>
-          <p:cNvPicPr/>
+          <p:cNvPr id="3" name="Picture 2"/>
+          <p:cNvPicPr>
+            <a:picLocks noChangeAspect="1"/>
+          </p:cNvPicPr>
           <p:nvPr/>
         </p:nvPicPr>
         <p:blipFill>
-          <a:blip r:embed="rId3"/>
+          <a:blip r:embed="rId2"/>
           <a:stretch>
             <a:fillRect/>
           </a:stretch>
         </p:blipFill>
         <p:spPr>
           <a:xfrm>
-            <a:off x="6914081" y="4721426"/>
-            <a:ext cx="472123" cy="340678"/>
+            <a:off x="1917125" y="721360"/>
+            <a:ext cx="5309752" cy="3783961"/>
           </a:xfrm>
           <a:prstGeom prst="rect">
             <a:avLst/>
           </a:prstGeom>
         </p:spPr>
       </p:pic>
+      <p:sp>
+        <p:nvSpPr>
+          <p:cNvPr id="5" name="TextBox 4"/>
+          <p:cNvSpPr txBox="1"/>
+          <p:nvPr/>
+        </p:nvSpPr>
+        <p:spPr bwMode="auto">
+          <a:xfrm>
+            <a:off x="457199" y="4505321"/>
+            <a:ext cx="8395854" cy="1806265"/>
+          </a:xfrm>
+          <a:prstGeom prst="rect">
+            <a:avLst/>
+          </a:prstGeom>
+          <a:noFill/>
+          <a:ln>
+            <a:noFill/>
+          </a:ln>
+          <a:extLst>
+            <a:ext uri="{909E8E84-426E-40DD-AFC4-6F175D3DCCD1}">
+              <a14:hiddenFill xmlns:a14="http://schemas.microsoft.com/office/drawing/2010/main">
+                <a:solidFill>
+                  <a:srgbClr val="FFFFFF"/>
+                </a:solidFill>
+              </a14:hiddenFill>
+            </a:ext>
+            <a:ext uri="{91240B29-F687-4F45-9708-019B960494DF}">
+              <a14:hiddenLine xmlns:a14="http://schemas.microsoft.com/office/drawing/2010/main" w="9525">
+                <a:solidFill>
+                  <a:srgbClr val="000000"/>
+                </a:solidFill>
+                <a:miter lim="800000"/>
+                <a:headEnd/>
+                <a:tailEnd/>
+              </a14:hiddenLine>
+            </a:ext>
+          </a:extLst>
+        </p:spPr>
+        <p:txBody>
+          <a:bodyPr wrap="square" lIns="142875" tIns="71438" rIns="142875" bIns="71438" rtlCol="0">
+            <a:spAutoFit/>
+          </a:bodyPr>
+          <a:lstStyle/>
+          <a:p>
+            <a:pPr marL="285750" indent="-285750">
+              <a:buFont typeface="Arial" charset="0"/>
+              <a:buChar char="•"/>
+            </a:pPr>
+            <a:r>
+              <a:rPr lang="en-US" sz="1800" dirty="0">
+                <a:latin typeface="+mn-lt"/>
+              </a:rPr>
+              <a:t>The CLI uses the Docker REST API to control or interact with the Docker daemon through scripting or direct CLI commands. Many other Docker applications use the underlying API and CLI.</a:t>
+            </a:r>
+          </a:p>
+          <a:p>
+            <a:pPr marL="285750" indent="-285750">
+              <a:buFont typeface="Arial" charset="0"/>
+              <a:buChar char="•"/>
+            </a:pPr>
+            <a:r>
+              <a:rPr lang="en-US" sz="1800" dirty="0">
+                <a:latin typeface="+mn-lt"/>
+              </a:rPr>
+              <a:t>The daemon creates and manages Docker </a:t>
+            </a:r>
+            <a:r>
+              <a:rPr lang="en-US" sz="1800" i="1" dirty="0">
+                <a:latin typeface="+mn-lt"/>
+              </a:rPr>
+              <a:t>objects</a:t>
+            </a:r>
+            <a:r>
+              <a:rPr lang="en-US" sz="1800" dirty="0">
+                <a:latin typeface="+mn-lt"/>
+              </a:rPr>
+              <a:t>, such as images, containers, networks, and volumes</a:t>
+            </a:r>
+            <a:r>
+              <a:rPr lang="en-US" sz="1800" dirty="0" smtClean="0">
+                <a:latin typeface="+mn-lt"/>
+              </a:rPr>
+              <a:t>.</a:t>
+            </a:r>
+            <a:r>
+              <a:rPr lang="en-US" sz="1800" dirty="0">
+                <a:latin typeface="+mn-lt"/>
+              </a:rPr>
+              <a:t/>
+            </a:r>
+            <a:br>
+              <a:rPr lang="en-US" sz="1800" dirty="0">
+                <a:latin typeface="+mn-lt"/>
+              </a:rPr>
+            </a:br>
+            <a:endParaRPr lang="en-US" sz="1800" dirty="0">
+              <a:solidFill>
+                <a:schemeClr val="bg1"/>
+              </a:solidFill>
+              <a:latin typeface="+mn-lt"/>
+              <a:cs typeface="Arial" pitchFamily="34" charset="0"/>
+            </a:endParaRPr>
+          </a:p>
+        </p:txBody>
+      </p:sp>
     </p:spTree>
     <p:extLst>
       <p:ext uri="{BB962C8B-B14F-4D97-AF65-F5344CB8AC3E}">
-        <p14:creationId xmlns:p14="http://schemas.microsoft.com/office/powerpoint/2010/main" val="4089984570"/>
+        <p14:creationId xmlns:p14="http://schemas.microsoft.com/office/powerpoint/2010/main" val="2042072012"/>
       </p:ext>
     </p:extLst>
   </p:cSld>
@@ -25498,14 +25569,18 @@
             <a:pPr lvl="2"/>
             <a:r>
               <a:rPr lang="en-US" sz="1400" dirty="0"/>
-              <a:t>Mac hardware from 2010 or later</a:t>
+              <a:t>Windows 10 </a:t>
             </a:r>
           </a:p>
           <a:p>
             <a:pPr lvl="2"/>
             <a:r>
               <a:rPr lang="en-US" sz="1400" dirty="0"/>
-              <a:t>OS X 10.3.3 or newer</a:t>
+              <a:t>64 bit </a:t>
+            </a:r>
+            <a:r>
+              <a:rPr lang="en-US" sz="1400" dirty="0" smtClean="0"/>
+              <a:t>only</a:t>
             </a:r>
           </a:p>
           <a:p>
@@ -25522,25 +25597,59 @@
           <a:p>
             <a:pPr lvl="2"/>
             <a:r>
+              <a:rPr lang="en-US" sz="1400" dirty="0"/>
+              <a:t>Turn on the windows feature Hyper-V </a:t>
+            </a:r>
+            <a:r>
+              <a:rPr lang="en-US" sz="1400" b="1" dirty="0"/>
+              <a:t>ON </a:t>
+            </a:r>
+            <a:endParaRPr lang="en-US" sz="1400" dirty="0"/>
+          </a:p>
+          <a:p>
+            <a:pPr lvl="2"/>
+            <a:r>
+              <a:rPr lang="en-US" sz="1400" dirty="0"/>
+              <a:t>Restart Windows</a:t>
+            </a:r>
+          </a:p>
+          <a:p>
+            <a:pPr lvl="2"/>
+            <a:r>
+              <a:rPr lang="en-US" sz="1400" dirty="0"/>
+              <a:t>Hyper-V not running – Restart and enter the BIOS mode on your machine and turn on the Hardware-assisted virtualization and data execution </a:t>
+            </a:r>
+            <a:r>
               <a:rPr lang="en-US" sz="1400" dirty="0" smtClean="0"/>
-              <a:t>Click </a:t>
-            </a:r>
+              <a:t>protection</a:t>
+            </a:r>
+          </a:p>
+          <a:p>
+            <a:pPr lvl="2"/>
             <a:r>
               <a:rPr lang="en-US" sz="1400" dirty="0"/>
-              <a:t>on the link below to download the installer</a:t>
-            </a:r>
-          </a:p>
-          <a:p>
-            <a:pPr marL="1222872" lvl="3" indent="0">
-              <a:buNone/>
-            </a:pPr>
-            <a:r>
-              <a:rPr lang="en-US" sz="1300" u="sng" dirty="0">
+              <a:t>For Windows 10 click on the link below to download the installer</a:t>
+            </a:r>
+          </a:p>
+          <a:p>
+            <a:pPr lvl="2"/>
+            <a:r>
+              <a:rPr lang="en-US" sz="1400" dirty="0">
                 <a:hlinkClick r:id="rId2"/>
               </a:rPr>
-              <a:t>https://download.docker.com/mac/stable/Docker.dmg</a:t>
-            </a:r>
-            <a:endParaRPr lang="en-US" sz="1300" dirty="0"/>
+              <a:t>https://</a:t>
+            </a:r>
+            <a:r>
+              <a:rPr lang="en-US" sz="1400" dirty="0" smtClean="0">
+                <a:hlinkClick r:id="rId2"/>
+              </a:rPr>
+              <a:t>download.docker.com/win/stable/InstallDocker.msi</a:t>
+            </a:r>
+            <a:endParaRPr lang="en-US" sz="1400" dirty="0">
+              <a:solidFill>
+                <a:srgbClr val="FF0000"/>
+              </a:solidFill>
+            </a:endParaRPr>
           </a:p>
           <a:p>
             <a:pPr lvl="2"/>
@@ -25557,14 +25666,49 @@
             <a:pPr lvl="2"/>
             <a:r>
               <a:rPr lang="en-US" sz="1400" dirty="0"/>
-              <a:t>Complete the installation by dragging the installer into the Application folder</a:t>
-            </a:r>
+              <a:t>Double click on </a:t>
+            </a:r>
+            <a:r>
+              <a:rPr lang="en-US" sz="1400" dirty="0" err="1" smtClean="0"/>
+              <a:t>InstallDocker.msi</a:t>
+            </a:r>
+            <a:endParaRPr lang="en-US" sz="1400" dirty="0" smtClean="0"/>
           </a:p>
           <a:p>
             <a:pPr lvl="2"/>
             <a:r>
               <a:rPr lang="en-US" sz="1400" dirty="0"/>
-              <a:t>Open a terminal window and type </a:t>
+              <a:t>Accept the term and Conditions and continue with </a:t>
+            </a:r>
+            <a:r>
+              <a:rPr lang="en-US" sz="1400" dirty="0" smtClean="0"/>
+              <a:t>installation</a:t>
+            </a:r>
+          </a:p>
+          <a:p>
+            <a:pPr lvl="2"/>
+            <a:r>
+              <a:rPr lang="en-US" sz="1400" dirty="0"/>
+              <a:t>Once the installation is complete, Docker starts automatically , the whale </a:t>
+            </a:r>
+            <a:r>
+              <a:rPr lang="en-US" sz="1400" dirty="0" smtClean="0"/>
+              <a:t>                 in the notification area indicates a successful install and that </a:t>
+            </a:r>
+            <a:r>
+              <a:rPr lang="en-US" sz="1400" dirty="0" err="1" smtClean="0"/>
+              <a:t>docker</a:t>
+            </a:r>
+            <a:r>
+              <a:rPr lang="en-US" sz="1400" dirty="0" smtClean="0"/>
+              <a:t> is running</a:t>
+            </a:r>
+          </a:p>
+          <a:p>
+            <a:pPr lvl="2"/>
+            <a:r>
+              <a:rPr lang="en-US" sz="1400" dirty="0"/>
+              <a:t>Open a Command prompt and type </a:t>
             </a:r>
             <a:r>
               <a:rPr lang="en-US" sz="1400" i="1" dirty="0"/>
@@ -25619,16 +25763,38 @@
             </a:r>
             <a:r>
               <a:rPr lang="en-US" dirty="0" smtClean="0"/>
-              <a:t> on MAC</a:t>
+              <a:t> on windows</a:t>
             </a:r>
             <a:endParaRPr lang="en-US" dirty="0"/>
           </a:p>
         </p:txBody>
       </p:sp>
+      <p:pic>
+        <p:nvPicPr>
+          <p:cNvPr id="33" name="Picture 32"/>
+          <p:cNvPicPr/>
+          <p:nvPr/>
+        </p:nvPicPr>
+        <p:blipFill>
+          <a:blip r:embed="rId3"/>
+          <a:stretch>
+            <a:fillRect/>
+          </a:stretch>
+        </p:blipFill>
+        <p:spPr>
+          <a:xfrm>
+            <a:off x="6914081" y="4721426"/>
+            <a:ext cx="472123" cy="340678"/>
+          </a:xfrm>
+          <a:prstGeom prst="rect">
+            <a:avLst/>
+          </a:prstGeom>
+        </p:spPr>
+      </p:pic>
     </p:spTree>
     <p:extLst>
       <p:ext uri="{BB962C8B-B14F-4D97-AF65-F5344CB8AC3E}">
-        <p14:creationId xmlns:p14="http://schemas.microsoft.com/office/powerpoint/2010/main" val="2041402840"/>
+        <p14:creationId xmlns:p14="http://schemas.microsoft.com/office/powerpoint/2010/main" val="4089984570"/>
       </p:ext>
     </p:extLst>
   </p:cSld>
@@ -25682,8 +25848,8 @@
         </p:nvSpPr>
         <p:spPr>
           <a:xfrm>
-            <a:off x="382773" y="721361"/>
-            <a:ext cx="8304030" cy="5404806"/>
+            <a:off x="382773" y="1116419"/>
+            <a:ext cx="8304030" cy="5009747"/>
           </a:xfrm>
         </p:spPr>
         <p:txBody>
@@ -25692,62 +25858,108 @@
           <a:p>
             <a:pPr lvl="1"/>
             <a:r>
-              <a:rPr lang="en-US" sz="1600" b="1" i="1" dirty="0" smtClean="0"/>
-              <a:t>Open a terminal window and enter the following commands </a:t>
-            </a:r>
+              <a:rPr lang="en-US" sz="1600" b="1" dirty="0" smtClean="0"/>
+              <a:t>Requirements</a:t>
+            </a:r>
+            <a:endParaRPr lang="en-US" sz="1600" b="1" dirty="0"/>
+          </a:p>
+          <a:p>
+            <a:pPr lvl="2"/>
+            <a:r>
+              <a:rPr lang="en-US" sz="1400" dirty="0"/>
+              <a:t>Mac hardware from 2010 or later</a:t>
+            </a:r>
+          </a:p>
+          <a:p>
+            <a:pPr lvl="2"/>
+            <a:r>
+              <a:rPr lang="en-US" sz="1400" dirty="0"/>
+              <a:t>OS X 10.3.3 or newer</a:t>
+            </a:r>
+          </a:p>
+          <a:p>
+            <a:pPr lvl="2"/>
+            <a:endParaRPr lang="en-US" sz="1400" dirty="0" smtClean="0"/>
           </a:p>
           <a:p>
             <a:pPr lvl="1"/>
             <a:r>
-              <a:rPr lang="en-US" sz="1600" b="1" i="1" dirty="0" err="1" smtClean="0"/>
+              <a:rPr lang="en-US" sz="1600" b="1" dirty="0" smtClean="0"/>
+              <a:t>Installation</a:t>
+            </a:r>
+          </a:p>
+          <a:p>
+            <a:pPr lvl="2"/>
+            <a:r>
+              <a:rPr lang="en-US" sz="1400" dirty="0" smtClean="0"/>
+              <a:t>Click </a:t>
+            </a:r>
+            <a:r>
+              <a:rPr lang="en-US" sz="1400" dirty="0"/>
+              <a:t>on the link below to download the installer</a:t>
+            </a:r>
+          </a:p>
+          <a:p>
+            <a:pPr marL="1222872" lvl="3" indent="0">
+              <a:buNone/>
+            </a:pPr>
+            <a:r>
+              <a:rPr lang="en-US" sz="1300" u="sng" dirty="0">
+                <a:hlinkClick r:id="rId2"/>
+              </a:rPr>
+              <a:t>https://download.docker.com/mac/stable/Docker.dmg</a:t>
+            </a:r>
+            <a:endParaRPr lang="en-US" sz="1300" dirty="0"/>
+          </a:p>
+          <a:p>
+            <a:pPr lvl="2"/>
+            <a:r>
+              <a:rPr lang="en-US" sz="1400" dirty="0" smtClean="0"/>
+              <a:t>Download </a:t>
+            </a:r>
+            <a:r>
+              <a:rPr lang="en-US" sz="1400" dirty="0"/>
+              <a:t>the Docker installation file</a:t>
+            </a:r>
+          </a:p>
+          <a:p>
+            <a:pPr lvl="2"/>
+            <a:r>
+              <a:rPr lang="en-US" sz="1400" dirty="0"/>
+              <a:t>Complete the installation by dragging the installer into the Application folder</a:t>
+            </a:r>
+          </a:p>
+          <a:p>
+            <a:pPr lvl="2"/>
+            <a:r>
+              <a:rPr lang="en-US" sz="1400" dirty="0"/>
+              <a:t>Open a terminal window and type </a:t>
+            </a:r>
+            <a:r>
+              <a:rPr lang="en-US" sz="1400" i="1" dirty="0"/>
+              <a:t>&lt;</a:t>
+            </a:r>
+            <a:r>
+              <a:rPr lang="en-US" sz="1400" i="1" dirty="0" err="1"/>
               <a:t>docker</a:t>
             </a:r>
             <a:r>
-              <a:rPr lang="en-US" sz="1600" b="1" i="1" dirty="0" smtClean="0"/>
-              <a:t> info </a:t>
-            </a:r>
-          </a:p>
-          <a:p>
-            <a:pPr lvl="1"/>
-            <a:r>
-              <a:rPr lang="en-US" sz="1600" b="1" i="1" dirty="0" err="1" smtClean="0"/>
-              <a:t>docker</a:t>
-            </a:r>
-            <a:r>
-              <a:rPr lang="en-US" sz="1600" b="1" i="1" dirty="0" smtClean="0"/>
-              <a:t> images</a:t>
-            </a:r>
-          </a:p>
-          <a:p>
-            <a:pPr lvl="1"/>
-            <a:r>
-              <a:rPr lang="en-US" sz="1600" b="1" i="1" dirty="0" err="1"/>
-              <a:t>d</a:t>
-            </a:r>
-            <a:r>
-              <a:rPr lang="en-US" sz="1600" b="1" i="1" dirty="0" err="1" smtClean="0"/>
-              <a:t>ocker</a:t>
-            </a:r>
-            <a:r>
-              <a:rPr lang="en-US" sz="1600" b="1" i="1" dirty="0" smtClean="0"/>
-              <a:t> </a:t>
-            </a:r>
-            <a:r>
-              <a:rPr lang="en-US" sz="1600" b="1" i="1" dirty="0" err="1" smtClean="0"/>
-              <a:t>ps</a:t>
-            </a:r>
-            <a:r>
-              <a:rPr lang="en-US" sz="1600" b="1" i="1" dirty="0" smtClean="0"/>
-              <a:t> -a</a:t>
-            </a:r>
-          </a:p>
-          <a:p>
-            <a:pPr lvl="1"/>
-            <a:endParaRPr lang="en-US" sz="1600" dirty="0"/>
+              <a:rPr lang="en-US" sz="1400" i="1" dirty="0"/>
+              <a:t> version&gt; </a:t>
+            </a:r>
+            <a:endParaRPr lang="en-US" sz="1400" dirty="0"/>
           </a:p>
           <a:p>
             <a:pPr lvl="2"/>
-            <a:endParaRPr lang="en-US" sz="1400" dirty="0"/>
+            <a:endParaRPr lang="en-US" sz="1900" dirty="0"/>
+          </a:p>
+          <a:p>
+            <a:pPr lvl="2"/>
+            <a:endParaRPr lang="en-US" sz="1900" dirty="0"/>
+          </a:p>
+          <a:p>
+            <a:pPr lvl="2"/>
+            <a:endParaRPr lang="en-US" sz="1900" dirty="0"/>
           </a:p>
         </p:txBody>
       </p:sp>
@@ -25768,7 +25980,15 @@
           <a:p>
             <a:r>
               <a:rPr lang="en-US" dirty="0" smtClean="0"/>
-              <a:t>Exercise1: basic commands</a:t>
+              <a:t>Installing </a:t>
+            </a:r>
+            <a:r>
+              <a:rPr lang="en-US" dirty="0" err="1" smtClean="0"/>
+              <a:t>docker</a:t>
+            </a:r>
+            <a:r>
+              <a:rPr lang="en-US" dirty="0" smtClean="0"/>
+              <a:t> on MAC</a:t>
             </a:r>
             <a:endParaRPr lang="en-US" dirty="0"/>
           </a:p>
@@ -25777,7 +25997,7 @@
     </p:spTree>
     <p:extLst>
       <p:ext uri="{BB962C8B-B14F-4D97-AF65-F5344CB8AC3E}">
-        <p14:creationId xmlns:p14="http://schemas.microsoft.com/office/powerpoint/2010/main" val="1146905165"/>
+        <p14:creationId xmlns:p14="http://schemas.microsoft.com/office/powerpoint/2010/main" val="2041402840"/>
       </p:ext>
     </p:extLst>
   </p:cSld>
@@ -25841,17 +26061,108 @@
           <a:p>
             <a:pPr lvl="1"/>
             <a:r>
-              <a:rPr lang="en-US" sz="1600" b="1" i="1" dirty="0"/>
-              <a:t>&lt;</a:t>
-            </a:r>
+              <a:rPr lang="en-US" sz="1600" b="1" i="1" dirty="0" smtClean="0"/>
+              <a:t>Open a terminal window and enter the following commands </a:t>
+            </a:r>
+          </a:p>
+          <a:p>
+            <a:pPr lvl="1"/>
+            <a:r>
+              <a:rPr lang="en-US" sz="1600" b="1" i="1" dirty="0" err="1" smtClean="0"/>
+              <a:t>docker</a:t>
+            </a:r>
+            <a:r>
+              <a:rPr lang="en-US" sz="1600" b="1" i="1" dirty="0" smtClean="0"/>
+              <a:t> version</a:t>
+            </a:r>
+          </a:p>
+          <a:p>
+            <a:pPr lvl="1"/>
+            <a:endParaRPr lang="en-US" sz="1600" b="1" i="1" dirty="0"/>
+          </a:p>
+          <a:p>
+            <a:pPr lvl="1"/>
+            <a:endParaRPr lang="en-US" sz="1600" b="1" i="1" dirty="0" smtClean="0"/>
+          </a:p>
+          <a:p>
+            <a:pPr lvl="1"/>
+            <a:endParaRPr lang="en-US" sz="1600" b="1" i="1" dirty="0"/>
+          </a:p>
+          <a:p>
+            <a:pPr lvl="1"/>
+            <a:endParaRPr lang="en-US" sz="1600" b="1" i="1" dirty="0" smtClean="0"/>
+          </a:p>
+          <a:p>
+            <a:pPr lvl="1"/>
+            <a:endParaRPr lang="en-US" sz="1600" b="1" i="1" dirty="0"/>
+          </a:p>
+          <a:p>
+            <a:pPr lvl="1"/>
+            <a:endParaRPr lang="en-US" sz="1600" b="1" i="1" dirty="0" smtClean="0"/>
+          </a:p>
+          <a:p>
+            <a:pPr lvl="1"/>
+            <a:endParaRPr lang="en-US" sz="1600" b="1" i="1" dirty="0" smtClean="0"/>
+          </a:p>
+          <a:p>
+            <a:pPr lvl="1"/>
+            <a:endParaRPr lang="en-US" sz="1600" b="1" i="1" dirty="0" smtClean="0"/>
+          </a:p>
+          <a:p>
+            <a:pPr lvl="1"/>
+            <a:endParaRPr lang="en-US" sz="1600" b="1" i="1" dirty="0" smtClean="0"/>
+          </a:p>
+          <a:p>
+            <a:pPr lvl="1"/>
+            <a:endParaRPr lang="en-US" sz="1600" b="1" i="1" dirty="0" smtClean="0"/>
+          </a:p>
+          <a:p>
+            <a:pPr lvl="1"/>
+            <a:r>
+              <a:rPr lang="en-US" sz="1600" b="1" i="1" dirty="0" err="1" smtClean="0"/>
+              <a:t>docker</a:t>
+            </a:r>
+            <a:r>
+              <a:rPr lang="en-US" sz="1600" b="1" i="1" dirty="0" smtClean="0"/>
+              <a:t> info </a:t>
+            </a:r>
+          </a:p>
+          <a:p>
+            <a:pPr lvl="1"/>
+            <a:r>
+              <a:rPr lang="en-US" sz="1600" b="1" i="1" dirty="0" err="1" smtClean="0"/>
+              <a:t>docker</a:t>
+            </a:r>
+            <a:r>
+              <a:rPr lang="en-US" sz="1600" b="1" i="1" dirty="0" smtClean="0"/>
+              <a:t> images</a:t>
+            </a:r>
+          </a:p>
+          <a:p>
+            <a:pPr lvl="1"/>
             <a:r>
               <a:rPr lang="en-US" sz="1600" b="1" i="1" dirty="0" err="1"/>
-              <a:t>docker</a:t>
-            </a:r>
-            <a:r>
-              <a:rPr lang="en-US" sz="1600" b="1" i="1" dirty="0"/>
-              <a:t> run hello-world&gt;</a:t>
-            </a:r>
+              <a:t>d</a:t>
+            </a:r>
+            <a:r>
+              <a:rPr lang="en-US" sz="1600" b="1" i="1" dirty="0" err="1" smtClean="0"/>
+              <a:t>ocker</a:t>
+            </a:r>
+            <a:r>
+              <a:rPr lang="en-US" sz="1600" b="1" i="1" dirty="0" smtClean="0"/>
+              <a:t> </a:t>
+            </a:r>
+            <a:r>
+              <a:rPr lang="en-US" sz="1600" b="1" i="1" dirty="0" err="1" smtClean="0"/>
+              <a:t>ps</a:t>
+            </a:r>
+            <a:r>
+              <a:rPr lang="en-US" sz="1600" b="1" i="1" dirty="0" smtClean="0"/>
+              <a:t> -a</a:t>
+            </a:r>
+          </a:p>
+          <a:p>
+            <a:pPr lvl="1"/>
             <a:endParaRPr lang="en-US" sz="1600" dirty="0"/>
           </a:p>
           <a:p>
@@ -25877,7 +26188,7 @@
           <a:p>
             <a:r>
               <a:rPr lang="en-US" dirty="0" smtClean="0"/>
-              <a:t>Exercise2: Run hello world!! (Existing image)</a:t>
+              <a:t>Exercise1: basic commands</a:t>
             </a:r>
             <a:endParaRPr lang="en-US" dirty="0"/>
           </a:p>
@@ -25885,7 +26196,7 @@
       </p:sp>
       <p:pic>
         <p:nvPicPr>
-          <p:cNvPr id="6" name="Picture 5"/>
+          <p:cNvPr id="4" name="Picture 3"/>
           <p:cNvPicPr/>
           <p:nvPr/>
         </p:nvPicPr>
@@ -25897,8 +26208,8 @@
         </p:blipFill>
         <p:spPr>
           <a:xfrm>
-            <a:off x="1661160" y="1314450"/>
-            <a:ext cx="6305550" cy="4504690"/>
+            <a:off x="1215737" y="1395845"/>
+            <a:ext cx="4949535" cy="2649682"/>
           </a:xfrm>
           <a:prstGeom prst="rect">
             <a:avLst/>
@@ -25908,7 +26219,7 @@
     </p:spTree>
     <p:extLst>
       <p:ext uri="{BB962C8B-B14F-4D97-AF65-F5344CB8AC3E}">
-        <p14:creationId xmlns:p14="http://schemas.microsoft.com/office/powerpoint/2010/main" val="657809761"/>
+        <p14:creationId xmlns:p14="http://schemas.microsoft.com/office/powerpoint/2010/main" val="1146905165"/>
       </p:ext>
     </p:extLst>
   </p:cSld>
